--- a/A1.pptx
+++ b/A1.pptx
@@ -9,6 +9,12 @@
     <p:sldId id="257" r:id="rId3"/>
     <p:sldId id="258" r:id="rId4"/>
     <p:sldId id="259" r:id="rId5"/>
+    <p:sldId id="260" r:id="rId6"/>
+    <p:sldId id="261" r:id="rId7"/>
+    <p:sldId id="265" r:id="rId8"/>
+    <p:sldId id="262" r:id="rId9"/>
+    <p:sldId id="263" r:id="rId10"/>
+    <p:sldId id="264" r:id="rId11"/>
   </p:sldIdLst>
   <p:sldSz cx="9144000" cy="6858000" type="screen4x3"/>
   <p:notesSz cx="6858000" cy="9144000"/>
@@ -107,6 +113,22 @@
       </a:defRPr>
     </a:lvl9pPr>
   </p:defaultTextStyle>
+  <p:extLst>
+    <p:ext uri="{EFAFB233-063F-42B5-8137-9DF3F51BA10A}">
+      <p15:sldGuideLst xmlns:p15="http://schemas.microsoft.com/office/powerpoint/2012/main">
+        <p15:guide id="1" orient="horz" pos="2160">
+          <p15:clr>
+            <a:srgbClr val="A4A3A4"/>
+          </p15:clr>
+        </p15:guide>
+        <p15:guide id="2" pos="2880">
+          <p15:clr>
+            <a:srgbClr val="A4A3A4"/>
+          </p15:clr>
+        </p15:guide>
+      </p15:sldGuideLst>
+    </p:ext>
+  </p:extLst>
 </p:presentation>
 </file>
 
@@ -148,10 +170,9 @@
           <a:lstStyle/>
           <a:p>
             <a:r>
-              <a:rPr lang="en-US" smtClean="0"/>
+              <a:rPr lang="en-US"/>
               <a:t>Click to edit Master title style</a:t>
             </a:r>
-            <a:endParaRPr lang="en-US"/>
           </a:p>
         </p:txBody>
       </p:sp>
@@ -267,10 +288,9 @@
           </a:lstStyle>
           <a:p>
             <a:r>
-              <a:rPr lang="en-US" smtClean="0"/>
+              <a:rPr lang="en-US"/>
               <a:t>Click to edit Master subtitle style</a:t>
             </a:r>
-            <a:endParaRPr lang="en-US"/>
           </a:p>
         </p:txBody>
       </p:sp>
@@ -292,7 +312,7 @@
             <a:fld id="{1D8BD707-D9CF-40AE-B4C6-C98DA3205C09}" type="datetimeFigureOut">
               <a:rPr lang="en-US" smtClean="0"/>
               <a:pPr/>
-              <a:t>5/5/2022</a:t>
+              <a:t>5/11/2022</a:t>
             </a:fld>
             <a:endParaRPr lang="en-US"/>
           </a:p>
@@ -382,10 +402,9 @@
           <a:lstStyle/>
           <a:p>
             <a:r>
-              <a:rPr lang="en-US" smtClean="0"/>
+              <a:rPr lang="en-US"/>
               <a:t>Click to edit Master title style</a:t>
             </a:r>
-            <a:endParaRPr lang="en-US"/>
           </a:p>
         </p:txBody>
       </p:sp>
@@ -406,38 +425,37 @@
           <a:p>
             <a:pPr lvl="0"/>
             <a:r>
-              <a:rPr lang="en-US" smtClean="0"/>
+              <a:rPr lang="en-US"/>
               <a:t>Click to edit Master text styles</a:t>
             </a:r>
           </a:p>
           <a:p>
             <a:pPr lvl="1"/>
             <a:r>
-              <a:rPr lang="en-US" smtClean="0"/>
+              <a:rPr lang="en-US"/>
               <a:t>Second level</a:t>
             </a:r>
           </a:p>
           <a:p>
             <a:pPr lvl="2"/>
             <a:r>
-              <a:rPr lang="en-US" smtClean="0"/>
+              <a:rPr lang="en-US"/>
               <a:t>Third level</a:t>
             </a:r>
           </a:p>
           <a:p>
             <a:pPr lvl="3"/>
             <a:r>
-              <a:rPr lang="en-US" smtClean="0"/>
+              <a:rPr lang="en-US"/>
               <a:t>Fourth level</a:t>
             </a:r>
           </a:p>
           <a:p>
             <a:pPr lvl="4"/>
             <a:r>
-              <a:rPr lang="en-US" smtClean="0"/>
+              <a:rPr lang="en-US"/>
               <a:t>Fifth level</a:t>
             </a:r>
-            <a:endParaRPr lang="en-US"/>
           </a:p>
         </p:txBody>
       </p:sp>
@@ -459,7 +477,7 @@
             <a:fld id="{1D8BD707-D9CF-40AE-B4C6-C98DA3205C09}" type="datetimeFigureOut">
               <a:rPr lang="en-US" smtClean="0"/>
               <a:pPr/>
-              <a:t>5/5/2022</a:t>
+              <a:t>5/11/2022</a:t>
             </a:fld>
             <a:endParaRPr lang="en-US"/>
           </a:p>
@@ -554,10 +572,9 @@
           <a:lstStyle/>
           <a:p>
             <a:r>
-              <a:rPr lang="en-US" smtClean="0"/>
+              <a:rPr lang="en-US"/>
               <a:t>Click to edit Master title style</a:t>
             </a:r>
-            <a:endParaRPr lang="en-US"/>
           </a:p>
         </p:txBody>
       </p:sp>
@@ -583,38 +600,37 @@
           <a:p>
             <a:pPr lvl="0"/>
             <a:r>
-              <a:rPr lang="en-US" smtClean="0"/>
+              <a:rPr lang="en-US"/>
               <a:t>Click to edit Master text styles</a:t>
             </a:r>
           </a:p>
           <a:p>
             <a:pPr lvl="1"/>
             <a:r>
-              <a:rPr lang="en-US" smtClean="0"/>
+              <a:rPr lang="en-US"/>
               <a:t>Second level</a:t>
             </a:r>
           </a:p>
           <a:p>
             <a:pPr lvl="2"/>
             <a:r>
-              <a:rPr lang="en-US" smtClean="0"/>
+              <a:rPr lang="en-US"/>
               <a:t>Third level</a:t>
             </a:r>
           </a:p>
           <a:p>
             <a:pPr lvl="3"/>
             <a:r>
-              <a:rPr lang="en-US" smtClean="0"/>
+              <a:rPr lang="en-US"/>
               <a:t>Fourth level</a:t>
             </a:r>
           </a:p>
           <a:p>
             <a:pPr lvl="4"/>
             <a:r>
-              <a:rPr lang="en-US" smtClean="0"/>
+              <a:rPr lang="en-US"/>
               <a:t>Fifth level</a:t>
             </a:r>
-            <a:endParaRPr lang="en-US"/>
           </a:p>
         </p:txBody>
       </p:sp>
@@ -636,7 +652,7 @@
             <a:fld id="{1D8BD707-D9CF-40AE-B4C6-C98DA3205C09}" type="datetimeFigureOut">
               <a:rPr lang="en-US" smtClean="0"/>
               <a:pPr/>
-              <a:t>5/5/2022</a:t>
+              <a:t>5/11/2022</a:t>
             </a:fld>
             <a:endParaRPr lang="en-US"/>
           </a:p>
@@ -726,10 +742,9 @@
           <a:lstStyle/>
           <a:p>
             <a:r>
-              <a:rPr lang="en-US" smtClean="0"/>
+              <a:rPr lang="en-US"/>
               <a:t>Click to edit Master title style</a:t>
             </a:r>
-            <a:endParaRPr lang="en-US"/>
           </a:p>
         </p:txBody>
       </p:sp>
@@ -750,38 +765,37 @@
           <a:p>
             <a:pPr lvl="0"/>
             <a:r>
-              <a:rPr lang="en-US" smtClean="0"/>
+              <a:rPr lang="en-US"/>
               <a:t>Click to edit Master text styles</a:t>
             </a:r>
           </a:p>
           <a:p>
             <a:pPr lvl="1"/>
             <a:r>
-              <a:rPr lang="en-US" smtClean="0"/>
+              <a:rPr lang="en-US"/>
               <a:t>Second level</a:t>
             </a:r>
           </a:p>
           <a:p>
             <a:pPr lvl="2"/>
             <a:r>
-              <a:rPr lang="en-US" smtClean="0"/>
+              <a:rPr lang="en-US"/>
               <a:t>Third level</a:t>
             </a:r>
           </a:p>
           <a:p>
             <a:pPr lvl="3"/>
             <a:r>
-              <a:rPr lang="en-US" smtClean="0"/>
+              <a:rPr lang="en-US"/>
               <a:t>Fourth level</a:t>
             </a:r>
           </a:p>
           <a:p>
             <a:pPr lvl="4"/>
             <a:r>
-              <a:rPr lang="en-US" smtClean="0"/>
+              <a:rPr lang="en-US"/>
               <a:t>Fifth level</a:t>
             </a:r>
-            <a:endParaRPr lang="en-US"/>
           </a:p>
         </p:txBody>
       </p:sp>
@@ -803,7 +817,7 @@
             <a:fld id="{1D8BD707-D9CF-40AE-B4C6-C98DA3205C09}" type="datetimeFigureOut">
               <a:rPr lang="en-US" smtClean="0"/>
               <a:pPr/>
-              <a:t>5/5/2022</a:t>
+              <a:t>5/11/2022</a:t>
             </a:fld>
             <a:endParaRPr lang="en-US"/>
           </a:p>
@@ -902,10 +916,9 @@
           </a:lstStyle>
           <a:p>
             <a:r>
-              <a:rPr lang="en-US" smtClean="0"/>
+              <a:rPr lang="en-US"/>
               <a:t>Click to edit Master title style</a:t>
             </a:r>
-            <a:endParaRPr lang="en-US"/>
           </a:p>
         </p:txBody>
       </p:sp>
@@ -1022,7 +1035,7 @@
           <a:p>
             <a:pPr lvl="0"/>
             <a:r>
-              <a:rPr lang="en-US" smtClean="0"/>
+              <a:rPr lang="en-US"/>
               <a:t>Click to edit Master text styles</a:t>
             </a:r>
           </a:p>
@@ -1046,7 +1059,7 @@
             <a:fld id="{1D8BD707-D9CF-40AE-B4C6-C98DA3205C09}" type="datetimeFigureOut">
               <a:rPr lang="en-US" smtClean="0"/>
               <a:pPr/>
-              <a:t>5/5/2022</a:t>
+              <a:t>5/11/2022</a:t>
             </a:fld>
             <a:endParaRPr lang="en-US"/>
           </a:p>
@@ -1136,10 +1149,9 @@
           <a:lstStyle/>
           <a:p>
             <a:r>
-              <a:rPr lang="en-US" smtClean="0"/>
+              <a:rPr lang="en-US"/>
               <a:t>Click to edit Master title style</a:t>
             </a:r>
-            <a:endParaRPr lang="en-US"/>
           </a:p>
         </p:txBody>
       </p:sp>
@@ -1193,38 +1205,37 @@
           <a:p>
             <a:pPr lvl="0"/>
             <a:r>
-              <a:rPr lang="en-US" smtClean="0"/>
+              <a:rPr lang="en-US"/>
               <a:t>Click to edit Master text styles</a:t>
             </a:r>
           </a:p>
           <a:p>
             <a:pPr lvl="1"/>
             <a:r>
-              <a:rPr lang="en-US" smtClean="0"/>
+              <a:rPr lang="en-US"/>
               <a:t>Second level</a:t>
             </a:r>
           </a:p>
           <a:p>
             <a:pPr lvl="2"/>
             <a:r>
-              <a:rPr lang="en-US" smtClean="0"/>
+              <a:rPr lang="en-US"/>
               <a:t>Third level</a:t>
             </a:r>
           </a:p>
           <a:p>
             <a:pPr lvl="3"/>
             <a:r>
-              <a:rPr lang="en-US" smtClean="0"/>
+              <a:rPr lang="en-US"/>
               <a:t>Fourth level</a:t>
             </a:r>
           </a:p>
           <a:p>
             <a:pPr lvl="4"/>
             <a:r>
-              <a:rPr lang="en-US" smtClean="0"/>
+              <a:rPr lang="en-US"/>
               <a:t>Fifth level</a:t>
             </a:r>
-            <a:endParaRPr lang="en-US"/>
           </a:p>
         </p:txBody>
       </p:sp>
@@ -1278,38 +1289,37 @@
           <a:p>
             <a:pPr lvl="0"/>
             <a:r>
-              <a:rPr lang="en-US" smtClean="0"/>
+              <a:rPr lang="en-US"/>
               <a:t>Click to edit Master text styles</a:t>
             </a:r>
           </a:p>
           <a:p>
             <a:pPr lvl="1"/>
             <a:r>
-              <a:rPr lang="en-US" smtClean="0"/>
+              <a:rPr lang="en-US"/>
               <a:t>Second level</a:t>
             </a:r>
           </a:p>
           <a:p>
             <a:pPr lvl="2"/>
             <a:r>
-              <a:rPr lang="en-US" smtClean="0"/>
+              <a:rPr lang="en-US"/>
               <a:t>Third level</a:t>
             </a:r>
           </a:p>
           <a:p>
             <a:pPr lvl="3"/>
             <a:r>
-              <a:rPr lang="en-US" smtClean="0"/>
+              <a:rPr lang="en-US"/>
               <a:t>Fourth level</a:t>
             </a:r>
           </a:p>
           <a:p>
             <a:pPr lvl="4"/>
             <a:r>
-              <a:rPr lang="en-US" smtClean="0"/>
+              <a:rPr lang="en-US"/>
               <a:t>Fifth level</a:t>
             </a:r>
-            <a:endParaRPr lang="en-US"/>
           </a:p>
         </p:txBody>
       </p:sp>
@@ -1331,7 +1341,7 @@
             <a:fld id="{1D8BD707-D9CF-40AE-B4C6-C98DA3205C09}" type="datetimeFigureOut">
               <a:rPr lang="en-US" smtClean="0"/>
               <a:pPr/>
-              <a:t>5/5/2022</a:t>
+              <a:t>5/11/2022</a:t>
             </a:fld>
             <a:endParaRPr lang="en-US"/>
           </a:p>
@@ -1425,10 +1435,9 @@
           </a:lstStyle>
           <a:p>
             <a:r>
-              <a:rPr lang="en-US" smtClean="0"/>
+              <a:rPr lang="en-US"/>
               <a:t>Click to edit Master title style</a:t>
             </a:r>
-            <a:endParaRPr lang="en-US"/>
           </a:p>
         </p:txBody>
       </p:sp>
@@ -1491,7 +1500,7 @@
           <a:p>
             <a:pPr lvl="0"/>
             <a:r>
-              <a:rPr lang="en-US" smtClean="0"/>
+              <a:rPr lang="en-US"/>
               <a:t>Click to edit Master text styles</a:t>
             </a:r>
           </a:p>
@@ -1547,38 +1556,37 @@
           <a:p>
             <a:pPr lvl="0"/>
             <a:r>
-              <a:rPr lang="en-US" smtClean="0"/>
+              <a:rPr lang="en-US"/>
               <a:t>Click to edit Master text styles</a:t>
             </a:r>
           </a:p>
           <a:p>
             <a:pPr lvl="1"/>
             <a:r>
-              <a:rPr lang="en-US" smtClean="0"/>
+              <a:rPr lang="en-US"/>
               <a:t>Second level</a:t>
             </a:r>
           </a:p>
           <a:p>
             <a:pPr lvl="2"/>
             <a:r>
-              <a:rPr lang="en-US" smtClean="0"/>
+              <a:rPr lang="en-US"/>
               <a:t>Third level</a:t>
             </a:r>
           </a:p>
           <a:p>
             <a:pPr lvl="3"/>
             <a:r>
-              <a:rPr lang="en-US" smtClean="0"/>
+              <a:rPr lang="en-US"/>
               <a:t>Fourth level</a:t>
             </a:r>
           </a:p>
           <a:p>
             <a:pPr lvl="4"/>
             <a:r>
-              <a:rPr lang="en-US" smtClean="0"/>
+              <a:rPr lang="en-US"/>
               <a:t>Fifth level</a:t>
             </a:r>
-            <a:endParaRPr lang="en-US"/>
           </a:p>
         </p:txBody>
       </p:sp>
@@ -1641,7 +1649,7 @@
           <a:p>
             <a:pPr lvl="0"/>
             <a:r>
-              <a:rPr lang="en-US" smtClean="0"/>
+              <a:rPr lang="en-US"/>
               <a:t>Click to edit Master text styles</a:t>
             </a:r>
           </a:p>
@@ -1697,38 +1705,37 @@
           <a:p>
             <a:pPr lvl="0"/>
             <a:r>
-              <a:rPr lang="en-US" smtClean="0"/>
+              <a:rPr lang="en-US"/>
               <a:t>Click to edit Master text styles</a:t>
             </a:r>
           </a:p>
           <a:p>
             <a:pPr lvl="1"/>
             <a:r>
-              <a:rPr lang="en-US" smtClean="0"/>
+              <a:rPr lang="en-US"/>
               <a:t>Second level</a:t>
             </a:r>
           </a:p>
           <a:p>
             <a:pPr lvl="2"/>
             <a:r>
-              <a:rPr lang="en-US" smtClean="0"/>
+              <a:rPr lang="en-US"/>
               <a:t>Third level</a:t>
             </a:r>
           </a:p>
           <a:p>
             <a:pPr lvl="3"/>
             <a:r>
-              <a:rPr lang="en-US" smtClean="0"/>
+              <a:rPr lang="en-US"/>
               <a:t>Fourth level</a:t>
             </a:r>
           </a:p>
           <a:p>
             <a:pPr lvl="4"/>
             <a:r>
-              <a:rPr lang="en-US" smtClean="0"/>
+              <a:rPr lang="en-US"/>
               <a:t>Fifth level</a:t>
             </a:r>
-            <a:endParaRPr lang="en-US"/>
           </a:p>
         </p:txBody>
       </p:sp>
@@ -1750,7 +1757,7 @@
             <a:fld id="{1D8BD707-D9CF-40AE-B4C6-C98DA3205C09}" type="datetimeFigureOut">
               <a:rPr lang="en-US" smtClean="0"/>
               <a:pPr/>
-              <a:t>5/5/2022</a:t>
+              <a:t>5/11/2022</a:t>
             </a:fld>
             <a:endParaRPr lang="en-US"/>
           </a:p>
@@ -1840,10 +1847,9 @@
           <a:lstStyle/>
           <a:p>
             <a:r>
-              <a:rPr lang="en-US" smtClean="0"/>
+              <a:rPr lang="en-US"/>
               <a:t>Click to edit Master title style</a:t>
             </a:r>
-            <a:endParaRPr lang="en-US"/>
           </a:p>
         </p:txBody>
       </p:sp>
@@ -1865,7 +1871,7 @@
             <a:fld id="{1D8BD707-D9CF-40AE-B4C6-C98DA3205C09}" type="datetimeFigureOut">
               <a:rPr lang="en-US" smtClean="0"/>
               <a:pPr/>
-              <a:t>5/5/2022</a:t>
+              <a:t>5/11/2022</a:t>
             </a:fld>
             <a:endParaRPr lang="en-US"/>
           </a:p>
@@ -1957,7 +1963,7 @@
             <a:fld id="{1D8BD707-D9CF-40AE-B4C6-C98DA3205C09}" type="datetimeFigureOut">
               <a:rPr lang="en-US" smtClean="0"/>
               <a:pPr/>
-              <a:t>5/5/2022</a:t>
+              <a:t>5/11/2022</a:t>
             </a:fld>
             <a:endParaRPr lang="en-US"/>
           </a:p>
@@ -2056,10 +2062,9 @@
           </a:lstStyle>
           <a:p>
             <a:r>
-              <a:rPr lang="en-US" smtClean="0"/>
+              <a:rPr lang="en-US"/>
               <a:t>Click to edit Master title style</a:t>
             </a:r>
-            <a:endParaRPr lang="en-US"/>
           </a:p>
         </p:txBody>
       </p:sp>
@@ -2113,38 +2118,37 @@
           <a:p>
             <a:pPr lvl="0"/>
             <a:r>
-              <a:rPr lang="en-US" smtClean="0"/>
+              <a:rPr lang="en-US"/>
               <a:t>Click to edit Master text styles</a:t>
             </a:r>
           </a:p>
           <a:p>
             <a:pPr lvl="1"/>
             <a:r>
-              <a:rPr lang="en-US" smtClean="0"/>
+              <a:rPr lang="en-US"/>
               <a:t>Second level</a:t>
             </a:r>
           </a:p>
           <a:p>
             <a:pPr lvl="2"/>
             <a:r>
-              <a:rPr lang="en-US" smtClean="0"/>
+              <a:rPr lang="en-US"/>
               <a:t>Third level</a:t>
             </a:r>
           </a:p>
           <a:p>
             <a:pPr lvl="3"/>
             <a:r>
-              <a:rPr lang="en-US" smtClean="0"/>
+              <a:rPr lang="en-US"/>
               <a:t>Fourth level</a:t>
             </a:r>
           </a:p>
           <a:p>
             <a:pPr lvl="4"/>
             <a:r>
-              <a:rPr lang="en-US" smtClean="0"/>
+              <a:rPr lang="en-US"/>
               <a:t>Fifth level</a:t>
             </a:r>
-            <a:endParaRPr lang="en-US"/>
           </a:p>
         </p:txBody>
       </p:sp>
@@ -2207,7 +2211,7 @@
           <a:p>
             <a:pPr lvl="0"/>
             <a:r>
-              <a:rPr lang="en-US" smtClean="0"/>
+              <a:rPr lang="en-US"/>
               <a:t>Click to edit Master text styles</a:t>
             </a:r>
           </a:p>
@@ -2231,7 +2235,7 @@
             <a:fld id="{1D8BD707-D9CF-40AE-B4C6-C98DA3205C09}" type="datetimeFigureOut">
               <a:rPr lang="en-US" smtClean="0"/>
               <a:pPr/>
-              <a:t>5/5/2022</a:t>
+              <a:t>5/11/2022</a:t>
             </a:fld>
             <a:endParaRPr lang="en-US"/>
           </a:p>
@@ -2330,10 +2334,9 @@
           </a:lstStyle>
           <a:p>
             <a:r>
-              <a:rPr lang="en-US" smtClean="0"/>
+              <a:rPr lang="en-US"/>
               <a:t>Click to edit Master title style</a:t>
             </a:r>
-            <a:endParaRPr lang="en-US"/>
           </a:p>
         </p:txBody>
       </p:sp>
@@ -2457,7 +2460,7 @@
           <a:p>
             <a:pPr lvl="0"/>
             <a:r>
-              <a:rPr lang="en-US" smtClean="0"/>
+              <a:rPr lang="en-US"/>
               <a:t>Click to edit Master text styles</a:t>
             </a:r>
           </a:p>
@@ -2481,7 +2484,7 @@
             <a:fld id="{1D8BD707-D9CF-40AE-B4C6-C98DA3205C09}" type="datetimeFigureOut">
               <a:rPr lang="en-US" smtClean="0"/>
               <a:pPr/>
-              <a:t>5/5/2022</a:t>
+              <a:t>5/11/2022</a:t>
             </a:fld>
             <a:endParaRPr lang="en-US"/>
           </a:p>
@@ -2586,10 +2589,9 @@
           <a:lstStyle/>
           <a:p>
             <a:r>
-              <a:rPr lang="en-US" smtClean="0"/>
+              <a:rPr lang="en-US"/>
               <a:t>Click to edit Master title style</a:t>
             </a:r>
-            <a:endParaRPr lang="en-US"/>
           </a:p>
         </p:txBody>
       </p:sp>
@@ -2620,38 +2622,37 @@
           <a:p>
             <a:pPr lvl="0"/>
             <a:r>
-              <a:rPr lang="en-US" smtClean="0"/>
+              <a:rPr lang="en-US"/>
               <a:t>Click to edit Master text styles</a:t>
             </a:r>
           </a:p>
           <a:p>
             <a:pPr lvl="1"/>
             <a:r>
-              <a:rPr lang="en-US" smtClean="0"/>
+              <a:rPr lang="en-US"/>
               <a:t>Second level</a:t>
             </a:r>
           </a:p>
           <a:p>
             <a:pPr lvl="2"/>
             <a:r>
-              <a:rPr lang="en-US" smtClean="0"/>
+              <a:rPr lang="en-US"/>
               <a:t>Third level</a:t>
             </a:r>
           </a:p>
           <a:p>
             <a:pPr lvl="3"/>
             <a:r>
-              <a:rPr lang="en-US" smtClean="0"/>
+              <a:rPr lang="en-US"/>
               <a:t>Fourth level</a:t>
             </a:r>
           </a:p>
           <a:p>
             <a:pPr lvl="4"/>
             <a:r>
-              <a:rPr lang="en-US" smtClean="0"/>
+              <a:rPr lang="en-US"/>
               <a:t>Fifth level</a:t>
             </a:r>
-            <a:endParaRPr lang="en-US"/>
           </a:p>
         </p:txBody>
       </p:sp>
@@ -2691,7 +2692,7 @@
             <a:fld id="{1D8BD707-D9CF-40AE-B4C6-C98DA3205C09}" type="datetimeFigureOut">
               <a:rPr lang="en-US" smtClean="0"/>
               <a:pPr/>
-              <a:t>5/5/2022</a:t>
+              <a:t>5/11/2022</a:t>
             </a:fld>
             <a:endParaRPr lang="en-US"/>
           </a:p>
@@ -3085,14 +3086,14 @@
           <a:lstStyle/>
           <a:p>
             <a:r>
-              <a:rPr lang="en-US" dirty="0" smtClean="0"/>
+              <a:rPr lang="en-US" dirty="0"/>
               <a:t>MACHINE LEARNING</a:t>
             </a:r>
             <a:br>
-              <a:rPr lang="en-US" dirty="0" smtClean="0"/>
+              <a:rPr lang="en-US" dirty="0"/>
             </a:br>
             <a:r>
-              <a:rPr lang="en-US" sz="2400" dirty="0" smtClean="0"/>
+              <a:rPr lang="en-US" sz="2400" dirty="0"/>
               <a:t>PREDICTION OF CRIME HOTSPOTS USING K-MEANS CLUSTERING</a:t>
             </a:r>
             <a:endParaRPr lang="en-US" dirty="0"/>
@@ -3122,7 +3123,7 @@
           <a:lstStyle/>
           <a:p>
             <a:r>
-              <a:rPr lang="en-US" dirty="0" smtClean="0">
+              <a:rPr lang="en-US" dirty="0">
                 <a:solidFill>
                   <a:schemeClr val="tx1"/>
                 </a:solidFill>
@@ -3133,7 +3134,7 @@
           <a:p>
             <a:pPr algn="l"/>
             <a:r>
-              <a:rPr lang="en-US" sz="2000" dirty="0" smtClean="0">
+              <a:rPr lang="en-US" sz="2000" dirty="0">
                 <a:solidFill>
                   <a:schemeClr val="tx1"/>
                 </a:solidFill>
@@ -3144,7 +3145,7 @@
           <a:p>
             <a:pPr algn="l"/>
             <a:r>
-              <a:rPr lang="en-US" sz="2000" dirty="0" smtClean="0">
+              <a:rPr lang="en-US" sz="2000" dirty="0">
                 <a:solidFill>
                   <a:schemeClr val="tx1"/>
                 </a:solidFill>
@@ -3152,7 +3153,7 @@
               <a:t>V. </a:t>
             </a:r>
             <a:r>
-              <a:rPr lang="en-US" sz="2000" dirty="0" err="1" smtClean="0">
+              <a:rPr lang="en-US" sz="2000" dirty="0" err="1">
                 <a:solidFill>
                   <a:schemeClr val="tx1"/>
                 </a:solidFill>
@@ -3160,7 +3161,7 @@
               <a:t>Abhijit</a:t>
             </a:r>
             <a:r>
-              <a:rPr lang="en-US" sz="2000" dirty="0" smtClean="0">
+              <a:rPr lang="en-US" sz="2000" dirty="0">
                 <a:solidFill>
                   <a:schemeClr val="tx1"/>
                 </a:solidFill>
@@ -3168,14 +3169,14 @@
               <a:t> – RA2011026020020			Ms. </a:t>
             </a:r>
             <a:r>
-              <a:rPr lang="en-US" sz="2000" dirty="0" err="1" smtClean="0">
+              <a:rPr lang="en-US" sz="2000" dirty="0" err="1">
                 <a:solidFill>
                   <a:schemeClr val="tx1"/>
                 </a:solidFill>
               </a:rPr>
               <a:t>Narmatha</a:t>
             </a:r>
-            <a:endParaRPr lang="en-US" sz="2000" dirty="0" smtClean="0">
+            <a:endParaRPr lang="en-US" sz="2000" dirty="0">
               <a:solidFill>
                 <a:schemeClr val="tx1"/>
               </a:solidFill>
@@ -3184,7 +3185,7 @@
           <a:p>
             <a:pPr algn="l"/>
             <a:r>
-              <a:rPr lang="en-US" sz="2000" dirty="0" smtClean="0">
+              <a:rPr lang="en-US" sz="2000" dirty="0">
                 <a:solidFill>
                   <a:schemeClr val="tx1"/>
                 </a:solidFill>
@@ -3192,7 +3193,7 @@
               <a:t>CH. </a:t>
             </a:r>
             <a:r>
-              <a:rPr lang="en-US" sz="2000" dirty="0" err="1" smtClean="0">
+              <a:rPr lang="en-US" sz="2000" dirty="0" err="1">
                 <a:solidFill>
                   <a:schemeClr val="tx1"/>
                 </a:solidFill>
@@ -3200,7 +3201,7 @@
               <a:t>Chanikya</a:t>
             </a:r>
             <a:r>
-              <a:rPr lang="en-US" sz="2000" dirty="0" smtClean="0">
+              <a:rPr lang="en-US" sz="2000" dirty="0">
                 <a:solidFill>
                   <a:schemeClr val="tx1"/>
                 </a:solidFill>
@@ -3211,7 +3212,7 @@
           <a:p>
             <a:pPr algn="l"/>
             <a:r>
-              <a:rPr lang="en-US" sz="2000" dirty="0" smtClean="0">
+              <a:rPr lang="en-US" sz="2000" dirty="0">
                 <a:solidFill>
                   <a:schemeClr val="tx1"/>
                 </a:solidFill>
@@ -3219,7 +3220,7 @@
               <a:t>K.V. </a:t>
             </a:r>
             <a:r>
-              <a:rPr lang="en-US" sz="2000" dirty="0" err="1" smtClean="0">
+              <a:rPr lang="en-US" sz="2000" dirty="0" err="1">
                 <a:solidFill>
                   <a:schemeClr val="tx1"/>
                 </a:solidFill>
@@ -3227,7 +3228,7 @@
               <a:t>Sravan</a:t>
             </a:r>
             <a:r>
-              <a:rPr lang="en-US" sz="2000" dirty="0" smtClean="0">
+              <a:rPr lang="en-US" sz="2000" dirty="0">
                 <a:solidFill>
                   <a:schemeClr val="tx1"/>
                 </a:solidFill>
@@ -3236,7 +3237,7 @@
             </a:r>
           </a:p>
           <a:p>
-            <a:endParaRPr lang="en-US" dirty="0" smtClean="0">
+            <a:endParaRPr lang="en-US" dirty="0">
               <a:solidFill>
                 <a:srgbClr val="FF0000"/>
               </a:solidFill>
@@ -3268,7 +3269,7 @@
           <a:p>
             <a:pPr algn="ctr"/>
             <a:r>
-              <a:rPr lang="en-US" dirty="0" smtClean="0">
+              <a:rPr lang="en-US" dirty="0">
                 <a:latin typeface="+mj-lt"/>
               </a:rPr>
               <a:t>SRM INSTITUTE OF SCIENCE AND TECHNOLOGY, RAMAPURAM CAMPUS</a:t>
@@ -3277,18 +3278,95 @@
           <a:p>
             <a:pPr algn="ctr"/>
             <a:r>
-              <a:rPr lang="en-US" dirty="0" smtClean="0">
+              <a:rPr lang="en-US" dirty="0">
                 <a:latin typeface="+mj-lt"/>
               </a:rPr>
               <a:t>DEPARTMENT OF COMPUTER SCIENCE AND ENGINEERING</a:t>
             </a:r>
-            <a:endParaRPr lang="en-US" dirty="0">
-              <a:latin typeface="+mj-lt"/>
-            </a:endParaRPr>
           </a:p>
         </p:txBody>
       </p:sp>
     </p:spTree>
+  </p:cSld>
+  <p:clrMapOvr>
+    <a:masterClrMapping/>
+  </p:clrMapOvr>
+</p:sld>
+</file>
+
+<file path=ppt/slides/slide10.xml><?xml version="1.0" encoding="utf-8"?>
+<p:sld xmlns:a="http://schemas.openxmlformats.org/drawingml/2006/main" xmlns:r="http://schemas.openxmlformats.org/officeDocument/2006/relationships" xmlns:p="http://schemas.openxmlformats.org/presentationml/2006/main">
+  <p:cSld>
+    <p:spTree>
+      <p:nvGrpSpPr>
+        <p:cNvPr id="1" name=""/>
+        <p:cNvGrpSpPr/>
+        <p:nvPr/>
+      </p:nvGrpSpPr>
+      <p:grpSpPr>
+        <a:xfrm>
+          <a:off x="0" y="0"/>
+          <a:ext cx="0" cy="0"/>
+          <a:chOff x="0" y="0"/>
+          <a:chExt cx="0" cy="0"/>
+        </a:xfrm>
+      </p:grpSpPr>
+      <p:sp>
+        <p:nvSpPr>
+          <p:cNvPr id="2" name="Title 1">
+            <a:extLst>
+              <a:ext uri="{FF2B5EF4-FFF2-40B4-BE49-F238E27FC236}">
+                <a16:creationId xmlns:a16="http://schemas.microsoft.com/office/drawing/2014/main" id="{37A2787A-AAAA-495D-9E1E-12B5D3BBD52F}"/>
+              </a:ext>
+            </a:extLst>
+          </p:cNvPr>
+          <p:cNvSpPr>
+            <a:spLocks noGrp="1"/>
+          </p:cNvSpPr>
+          <p:nvPr>
+            <p:ph type="title"/>
+          </p:nvPr>
+        </p:nvSpPr>
+        <p:spPr/>
+        <p:txBody>
+          <a:bodyPr/>
+          <a:lstStyle/>
+          <a:p>
+            <a:endParaRPr lang="en-IN"/>
+          </a:p>
+        </p:txBody>
+      </p:sp>
+      <p:sp>
+        <p:nvSpPr>
+          <p:cNvPr id="3" name="Content Placeholder 2">
+            <a:extLst>
+              <a:ext uri="{FF2B5EF4-FFF2-40B4-BE49-F238E27FC236}">
+                <a16:creationId xmlns:a16="http://schemas.microsoft.com/office/drawing/2014/main" id="{6BE8416E-61C7-4E66-8B8F-74C3EF41BEB3}"/>
+              </a:ext>
+            </a:extLst>
+          </p:cNvPr>
+          <p:cNvSpPr>
+            <a:spLocks noGrp="1"/>
+          </p:cNvSpPr>
+          <p:nvPr>
+            <p:ph idx="1"/>
+          </p:nvPr>
+        </p:nvSpPr>
+        <p:spPr/>
+        <p:txBody>
+          <a:bodyPr/>
+          <a:lstStyle/>
+          <a:p>
+            <a:endParaRPr lang="en-IN"/>
+          </a:p>
+        </p:txBody>
+      </p:sp>
+    </p:spTree>
+    <p:extLst>
+      <p:ext uri="{BB962C8B-B14F-4D97-AF65-F5344CB8AC3E}">
+        <p14:creationId xmlns:p14="http://schemas.microsoft.com/office/powerpoint/2010/main" val="597254420"/>
+      </p:ext>
+    </p:extLst>
   </p:cSld>
   <p:clrMapOvr>
     <a:masterClrMapping/>
@@ -3329,10 +3407,9 @@
           <a:lstStyle/>
           <a:p>
             <a:r>
-              <a:rPr lang="en-US" dirty="0" smtClean="0"/>
+              <a:rPr lang="en-US" dirty="0"/>
               <a:t>OBJECTIVE</a:t>
             </a:r>
-            <a:endParaRPr lang="en-US" dirty="0"/>
           </a:p>
         </p:txBody>
       </p:sp>
@@ -3354,16 +3431,15 @@
           <a:lstStyle/>
           <a:p>
             <a:r>
-              <a:rPr lang="en-US" sz="2400" dirty="0" smtClean="0"/>
+              <a:rPr lang="en-US" sz="2400" dirty="0"/>
               <a:t>To predict crime hotspots where crime is likely to occur using Machine Learning Algorithms</a:t>
             </a:r>
           </a:p>
           <a:p>
             <a:r>
-              <a:rPr lang="en-US" sz="2400" dirty="0" smtClean="0"/>
+              <a:rPr lang="en-US" sz="2400" dirty="0"/>
               <a:t>To show change in different crime rates relative to time and how social safety has changed over the last few years</a:t>
             </a:r>
-            <a:endParaRPr lang="en-US" sz="2400" dirty="0"/>
           </a:p>
         </p:txBody>
       </p:sp>
@@ -3408,10 +3484,9 @@
           <a:lstStyle/>
           <a:p>
             <a:r>
-              <a:rPr lang="en-US" dirty="0" smtClean="0"/>
+              <a:rPr lang="en-US" dirty="0"/>
               <a:t>SCOPE</a:t>
             </a:r>
-            <a:endParaRPr lang="en-US" dirty="0"/>
           </a:p>
         </p:txBody>
       </p:sp>
@@ -3433,10 +3508,9 @@
           <a:lstStyle/>
           <a:p>
             <a:r>
-              <a:rPr lang="en-US" sz="2400" dirty="0" smtClean="0"/>
+              <a:rPr lang="en-US" sz="2400" dirty="0"/>
               <a:t>This project aims to improve public safety by predicting most likely place where crime occurs (Crime Hotspots) so that police authorities can increase patrols and reduce crime occurrence.</a:t>
             </a:r>
-            <a:endParaRPr lang="en-US" sz="2400" dirty="0"/>
           </a:p>
         </p:txBody>
       </p:sp>
@@ -3481,10 +3555,9 @@
           <a:lstStyle/>
           <a:p>
             <a:r>
-              <a:rPr lang="en-US" dirty="0" smtClean="0"/>
+              <a:rPr lang="en-US" dirty="0"/>
               <a:t>ABSTRACT</a:t>
             </a:r>
-            <a:endParaRPr lang="en-US" dirty="0"/>
           </a:p>
         </p:txBody>
       </p:sp>
@@ -3506,34 +3579,799 @@
           <a:lstStyle/>
           <a:p>
             <a:r>
-              <a:rPr lang="en-US" sz="2400" dirty="0" smtClean="0"/>
-              <a:t>Most recently, crime rate is increasing in most urban and rural areas. The crime activities like </a:t>
-            </a:r>
-            <a:r>
-              <a:rPr lang="en-US" sz="2400" dirty="0" smtClean="0"/>
-              <a:t>Assault, Vandalism, Drugs, Fraud, etc</a:t>
-            </a:r>
-            <a:r>
-              <a:rPr lang="en-US" sz="2400" dirty="0" smtClean="0"/>
-              <a:t>, were increasing day by day and the investigation process gets more complicated. To overcome the problem, various mining methods were implemented that solves various complicated criminal cases. One of the best methods that can be used is crime mapping. Crime mapping analysts were the law enforcement agencies which map, visualize the area, and analyze the crime</a:t>
-            </a:r>
-            <a:r>
-              <a:rPr lang="en-US" sz="2400" dirty="0" smtClean="0"/>
-              <a:t>. </a:t>
-            </a:r>
-            <a:r>
-              <a:rPr lang="en-US" sz="2400" smtClean="0"/>
+              <a:rPr lang="en-US" sz="2400" dirty="0"/>
+              <a:t>Most recently, crime rate is increasing in most urban and rural areas. The crime activities like Assault, Vandalism, Drugs, Fraud, etc, were increasing day by day and the investigation process gets more complicated. To overcome the problem, various mining methods were implemented that solves various complicated criminal cases. One of the best methods that can be used is crime mapping. Crime mapping analysts were the law enforcement agencies which map, visualize the area, and analyze the crime. </a:t>
+            </a:r>
+            <a:r>
+              <a:rPr lang="en-US" sz="2400"/>
               <a:t>K-Means Clustering algorithm </a:t>
             </a:r>
             <a:r>
-              <a:rPr lang="en-US" sz="2400" dirty="0" smtClean="0"/>
+              <a:rPr lang="en-US" sz="2400" dirty="0"/>
               <a:t>is used in this case.</a:t>
             </a:r>
-            <a:endParaRPr lang="en-US" sz="2400" dirty="0"/>
           </a:p>
         </p:txBody>
       </p:sp>
     </p:spTree>
+  </p:cSld>
+  <p:clrMapOvr>
+    <a:masterClrMapping/>
+  </p:clrMapOvr>
+</p:sld>
+</file>
+
+<file path=ppt/slides/slide5.xml><?xml version="1.0" encoding="utf-8"?>
+<p:sld xmlns:a="http://schemas.openxmlformats.org/drawingml/2006/main" xmlns:r="http://schemas.openxmlformats.org/officeDocument/2006/relationships" xmlns:p="http://schemas.openxmlformats.org/presentationml/2006/main">
+  <p:cSld>
+    <p:spTree>
+      <p:nvGrpSpPr>
+        <p:cNvPr id="1" name=""/>
+        <p:cNvGrpSpPr/>
+        <p:nvPr/>
+      </p:nvGrpSpPr>
+      <p:grpSpPr>
+        <a:xfrm>
+          <a:off x="0" y="0"/>
+          <a:ext cx="0" cy="0"/>
+          <a:chOff x="0" y="0"/>
+          <a:chExt cx="0" cy="0"/>
+        </a:xfrm>
+      </p:grpSpPr>
+      <p:sp>
+        <p:nvSpPr>
+          <p:cNvPr id="2" name="Title 1">
+            <a:extLst>
+              <a:ext uri="{FF2B5EF4-FFF2-40B4-BE49-F238E27FC236}">
+                <a16:creationId xmlns:a16="http://schemas.microsoft.com/office/drawing/2014/main" id="{25E98EB8-BB6B-4D35-A3CA-DA1CD34BD41D}"/>
+              </a:ext>
+            </a:extLst>
+          </p:cNvPr>
+          <p:cNvSpPr>
+            <a:spLocks noGrp="1"/>
+          </p:cNvSpPr>
+          <p:nvPr>
+            <p:ph type="title"/>
+          </p:nvPr>
+        </p:nvSpPr>
+        <p:spPr/>
+        <p:txBody>
+          <a:bodyPr/>
+          <a:lstStyle/>
+          <a:p>
+            <a:r>
+              <a:rPr lang="en-US" dirty="0"/>
+              <a:t>INTRODUCTION</a:t>
+            </a:r>
+            <a:endParaRPr lang="en-IN" dirty="0"/>
+          </a:p>
+        </p:txBody>
+      </p:sp>
+      <p:sp>
+        <p:nvSpPr>
+          <p:cNvPr id="3" name="Content Placeholder 2">
+            <a:extLst>
+              <a:ext uri="{FF2B5EF4-FFF2-40B4-BE49-F238E27FC236}">
+                <a16:creationId xmlns:a16="http://schemas.microsoft.com/office/drawing/2014/main" id="{1A4582D0-7A79-4F6E-B88D-43D0FD4D8EC8}"/>
+              </a:ext>
+            </a:extLst>
+          </p:cNvPr>
+          <p:cNvSpPr>
+            <a:spLocks noGrp="1"/>
+          </p:cNvSpPr>
+          <p:nvPr>
+            <p:ph idx="1"/>
+          </p:nvPr>
+        </p:nvSpPr>
+        <p:spPr/>
+        <p:txBody>
+          <a:bodyPr>
+            <a:normAutofit fontScale="70000" lnSpcReduction="20000"/>
+          </a:bodyPr>
+          <a:lstStyle/>
+          <a:p>
+            <a:pPr algn="l"/>
+            <a:r>
+              <a:rPr lang="en-US" b="0" i="0" dirty="0">
+                <a:solidFill>
+                  <a:srgbClr val="000000"/>
+                </a:solidFill>
+                <a:effectLst/>
+                <a:latin typeface="ff3"/>
+              </a:rPr>
+              <a:t>In present scenario criminals are becoming technologically sophisticated in committing crime and one challenge faced by intelligence and law enforcement agencies is difficulty in analyzing large volume of data involved in crime and terrorist </a:t>
+            </a:r>
+            <a:r>
+              <a:rPr lang="en-US" dirty="0">
+                <a:solidFill>
+                  <a:srgbClr val="000000"/>
+                </a:solidFill>
+                <a:latin typeface="ff3"/>
+              </a:rPr>
+              <a:t>a</a:t>
+            </a:r>
+            <a:r>
+              <a:rPr lang="en-US" b="0" i="0" dirty="0">
+                <a:solidFill>
+                  <a:srgbClr val="000000"/>
+                </a:solidFill>
+                <a:effectLst/>
+                <a:latin typeface="ff3"/>
+              </a:rPr>
+              <a:t>ctivities. </a:t>
+            </a:r>
+          </a:p>
+          <a:p>
+            <a:pPr algn="l"/>
+            <a:r>
+              <a:rPr lang="en-US" b="0" i="0" dirty="0">
+                <a:solidFill>
+                  <a:srgbClr val="000000"/>
+                </a:solidFill>
+                <a:effectLst/>
+                <a:latin typeface="ff3"/>
+              </a:rPr>
+              <a:t>Therefore agencies need to know technique to catch criminal and remain ahead in the eternal race between the criminals and the law enforcement. </a:t>
+            </a:r>
+          </a:p>
+          <a:p>
+            <a:pPr algn="l"/>
+            <a:r>
+              <a:rPr lang="en-US" b="0" i="0" dirty="0">
+                <a:solidFill>
+                  <a:srgbClr val="000000"/>
+                </a:solidFill>
+                <a:effectLst/>
+                <a:latin typeface="ff3"/>
+              </a:rPr>
+              <a:t>So appropriate field needs to chosen to perform crime analysis. </a:t>
+            </a:r>
+          </a:p>
+          <a:p>
+            <a:pPr algn="l"/>
+            <a:r>
+              <a:rPr lang="en-US" b="0" i="0" dirty="0">
+                <a:solidFill>
+                  <a:srgbClr val="000000"/>
+                </a:solidFill>
+                <a:effectLst/>
+                <a:latin typeface="ff3"/>
+              </a:rPr>
+              <a:t>As data mining refers to extracting or mining knowledge from large amounts of data, data mining is used here on high volume crime dataset and knowledge gained from data mining approaches is useful and support police forces. </a:t>
+            </a:r>
+          </a:p>
+        </p:txBody>
+      </p:sp>
+    </p:spTree>
+    <p:extLst>
+      <p:ext uri="{BB962C8B-B14F-4D97-AF65-F5344CB8AC3E}">
+        <p14:creationId xmlns:p14="http://schemas.microsoft.com/office/powerpoint/2010/main" val="3311125524"/>
+      </p:ext>
+    </p:extLst>
+  </p:cSld>
+  <p:clrMapOvr>
+    <a:masterClrMapping/>
+  </p:clrMapOvr>
+</p:sld>
+</file>
+
+<file path=ppt/slides/slide6.xml><?xml version="1.0" encoding="utf-8"?>
+<p:sld xmlns:a="http://schemas.openxmlformats.org/drawingml/2006/main" xmlns:r="http://schemas.openxmlformats.org/officeDocument/2006/relationships" xmlns:p="http://schemas.openxmlformats.org/presentationml/2006/main">
+  <p:cSld>
+    <p:spTree>
+      <p:nvGrpSpPr>
+        <p:cNvPr id="1" name=""/>
+        <p:cNvGrpSpPr/>
+        <p:nvPr/>
+      </p:nvGrpSpPr>
+      <p:grpSpPr>
+        <a:xfrm>
+          <a:off x="0" y="0"/>
+          <a:ext cx="0" cy="0"/>
+          <a:chOff x="0" y="0"/>
+          <a:chExt cx="0" cy="0"/>
+        </a:xfrm>
+      </p:grpSpPr>
+      <p:sp>
+        <p:nvSpPr>
+          <p:cNvPr id="2" name="Title 1">
+            <a:extLst>
+              <a:ext uri="{FF2B5EF4-FFF2-40B4-BE49-F238E27FC236}">
+                <a16:creationId xmlns:a16="http://schemas.microsoft.com/office/drawing/2014/main" id="{9CD2240D-2D98-4A24-82F4-1D4208DD983E}"/>
+              </a:ext>
+            </a:extLst>
+          </p:cNvPr>
+          <p:cNvSpPr>
+            <a:spLocks noGrp="1"/>
+          </p:cNvSpPr>
+          <p:nvPr>
+            <p:ph type="title"/>
+          </p:nvPr>
+        </p:nvSpPr>
+        <p:spPr/>
+        <p:txBody>
+          <a:bodyPr/>
+          <a:lstStyle/>
+          <a:p>
+            <a:r>
+              <a:rPr lang="en-US" dirty="0"/>
+              <a:t>INTRODUCTION</a:t>
+            </a:r>
+            <a:endParaRPr lang="en-IN" dirty="0"/>
+          </a:p>
+        </p:txBody>
+      </p:sp>
+      <p:sp>
+        <p:nvSpPr>
+          <p:cNvPr id="3" name="Content Placeholder 2">
+            <a:extLst>
+              <a:ext uri="{FF2B5EF4-FFF2-40B4-BE49-F238E27FC236}">
+                <a16:creationId xmlns:a16="http://schemas.microsoft.com/office/drawing/2014/main" id="{BEB62E74-F5D1-42EE-AAAF-915C868EE7D6}"/>
+              </a:ext>
+            </a:extLst>
+          </p:cNvPr>
+          <p:cNvSpPr>
+            <a:spLocks noGrp="1"/>
+          </p:cNvSpPr>
+          <p:nvPr>
+            <p:ph idx="1"/>
+          </p:nvPr>
+        </p:nvSpPr>
+        <p:spPr/>
+        <p:txBody>
+          <a:bodyPr>
+            <a:normAutofit/>
+          </a:bodyPr>
+          <a:lstStyle/>
+          <a:p>
+            <a:r>
+              <a:rPr lang="en-US" b="0" i="0" dirty="0">
+                <a:solidFill>
+                  <a:srgbClr val="000000"/>
+                </a:solidFill>
+                <a:effectLst/>
+                <a:latin typeface="ff3"/>
+              </a:rPr>
+              <a:t>To perform crime analysis appropriate data mining approach need to be chosen and as clustering is an approach of data mining which groups a set of objects in such a way that object in the same group are more similar than those in other groups and involved various algorithms that differ significantly in their notion of what constitutes a cluster and how to efficiently find them. </a:t>
+            </a:r>
+          </a:p>
+          <a:p>
+            <a:endParaRPr lang="en-IN" dirty="0"/>
+          </a:p>
+        </p:txBody>
+      </p:sp>
+    </p:spTree>
+    <p:extLst>
+      <p:ext uri="{BB962C8B-B14F-4D97-AF65-F5344CB8AC3E}">
+        <p14:creationId xmlns:p14="http://schemas.microsoft.com/office/powerpoint/2010/main" val="2855915557"/>
+      </p:ext>
+    </p:extLst>
+  </p:cSld>
+  <p:clrMapOvr>
+    <a:masterClrMapping/>
+  </p:clrMapOvr>
+</p:sld>
+</file>
+
+<file path=ppt/slides/slide7.xml><?xml version="1.0" encoding="utf-8"?>
+<p:sld xmlns:a="http://schemas.openxmlformats.org/drawingml/2006/main" xmlns:r="http://schemas.openxmlformats.org/officeDocument/2006/relationships" xmlns:p="http://schemas.openxmlformats.org/presentationml/2006/main">
+  <p:cSld>
+    <p:spTree>
+      <p:nvGrpSpPr>
+        <p:cNvPr id="1" name=""/>
+        <p:cNvGrpSpPr/>
+        <p:nvPr/>
+      </p:nvGrpSpPr>
+      <p:grpSpPr>
+        <a:xfrm>
+          <a:off x="0" y="0"/>
+          <a:ext cx="0" cy="0"/>
+          <a:chOff x="0" y="0"/>
+          <a:chExt cx="0" cy="0"/>
+        </a:xfrm>
+      </p:grpSpPr>
+      <p:sp>
+        <p:nvSpPr>
+          <p:cNvPr id="2" name="Title 1">
+            <a:extLst>
+              <a:ext uri="{FF2B5EF4-FFF2-40B4-BE49-F238E27FC236}">
+                <a16:creationId xmlns:a16="http://schemas.microsoft.com/office/drawing/2014/main" id="{B910AC77-4DB2-45AB-8154-D8027CC58CEF}"/>
+              </a:ext>
+            </a:extLst>
+          </p:cNvPr>
+          <p:cNvSpPr>
+            <a:spLocks noGrp="1"/>
+          </p:cNvSpPr>
+          <p:nvPr>
+            <p:ph type="title"/>
+          </p:nvPr>
+        </p:nvSpPr>
+        <p:spPr/>
+        <p:txBody>
+          <a:bodyPr/>
+          <a:lstStyle/>
+          <a:p>
+            <a:r>
+              <a:rPr lang="en-US" dirty="0"/>
+              <a:t>INTRODUCTION</a:t>
+            </a:r>
+            <a:endParaRPr lang="en-IN" dirty="0"/>
+          </a:p>
+        </p:txBody>
+      </p:sp>
+      <p:sp>
+        <p:nvSpPr>
+          <p:cNvPr id="3" name="Content Placeholder 2">
+            <a:extLst>
+              <a:ext uri="{FF2B5EF4-FFF2-40B4-BE49-F238E27FC236}">
+                <a16:creationId xmlns:a16="http://schemas.microsoft.com/office/drawing/2014/main" id="{B41659E7-6E68-4156-9F9F-B54D0146B488}"/>
+              </a:ext>
+            </a:extLst>
+          </p:cNvPr>
+          <p:cNvSpPr>
+            <a:spLocks noGrp="1"/>
+          </p:cNvSpPr>
+          <p:nvPr>
+            <p:ph idx="1"/>
+          </p:nvPr>
+        </p:nvSpPr>
+        <p:spPr/>
+        <p:txBody>
+          <a:bodyPr>
+            <a:normAutofit fontScale="92500" lnSpcReduction="10000"/>
+          </a:bodyPr>
+          <a:lstStyle/>
+          <a:p>
+            <a:r>
+              <a:rPr lang="en-US" b="0" i="0" dirty="0">
+                <a:solidFill>
+                  <a:srgbClr val="000000"/>
+                </a:solidFill>
+                <a:effectLst/>
+                <a:latin typeface="ff3"/>
+              </a:rPr>
+              <a:t>In this project ‘K-Means </a:t>
+            </a:r>
+            <a:r>
+              <a:rPr lang="en-US" dirty="0">
+                <a:solidFill>
+                  <a:srgbClr val="000000"/>
+                </a:solidFill>
+                <a:latin typeface="ff3"/>
+              </a:rPr>
+              <a:t>C</a:t>
+            </a:r>
+            <a:r>
+              <a:rPr lang="en-US" b="0" i="0" dirty="0">
+                <a:solidFill>
+                  <a:srgbClr val="000000"/>
+                </a:solidFill>
+                <a:effectLst/>
+                <a:latin typeface="ff3"/>
+              </a:rPr>
+              <a:t>lustering’ technique of data mining used to extract useful information from the high volume crime dataset and to interpret the data which assist police in identify and analyze crime patterns to reduce further occurrences of similar incidence and provide information to reduce the crime. In this paper k mean clustering is implemented using open source data mining tool which are analytical tools used for analyzing </a:t>
+            </a:r>
+            <a:r>
+              <a:rPr lang="en-US" dirty="0">
+                <a:solidFill>
+                  <a:srgbClr val="000000"/>
+                </a:solidFill>
+                <a:latin typeface="ff3"/>
+              </a:rPr>
+              <a:t>d</a:t>
+            </a:r>
+            <a:r>
+              <a:rPr lang="en-US" b="0" i="0" dirty="0">
+                <a:solidFill>
+                  <a:srgbClr val="000000"/>
+                </a:solidFill>
+                <a:effectLst/>
+                <a:latin typeface="ff3"/>
+              </a:rPr>
+              <a:t>ata. </a:t>
+            </a:r>
+          </a:p>
+          <a:p>
+            <a:endParaRPr lang="en-IN" dirty="0"/>
+          </a:p>
+        </p:txBody>
+      </p:sp>
+    </p:spTree>
+    <p:extLst>
+      <p:ext uri="{BB962C8B-B14F-4D97-AF65-F5344CB8AC3E}">
+        <p14:creationId xmlns:p14="http://schemas.microsoft.com/office/powerpoint/2010/main" val="3504495312"/>
+      </p:ext>
+    </p:extLst>
+  </p:cSld>
+  <p:clrMapOvr>
+    <a:masterClrMapping/>
+  </p:clrMapOvr>
+</p:sld>
+</file>
+
+<file path=ppt/slides/slide8.xml><?xml version="1.0" encoding="utf-8"?>
+<p:sld xmlns:a="http://schemas.openxmlformats.org/drawingml/2006/main" xmlns:r="http://schemas.openxmlformats.org/officeDocument/2006/relationships" xmlns:p="http://schemas.openxmlformats.org/presentationml/2006/main">
+  <p:cSld>
+    <p:spTree>
+      <p:nvGrpSpPr>
+        <p:cNvPr id="1" name=""/>
+        <p:cNvGrpSpPr/>
+        <p:nvPr/>
+      </p:nvGrpSpPr>
+      <p:grpSpPr>
+        <a:xfrm>
+          <a:off x="0" y="0"/>
+          <a:ext cx="0" cy="0"/>
+          <a:chOff x="0" y="0"/>
+          <a:chExt cx="0" cy="0"/>
+        </a:xfrm>
+      </p:grpSpPr>
+      <p:sp>
+        <p:nvSpPr>
+          <p:cNvPr id="2" name="Title 1">
+            <a:extLst>
+              <a:ext uri="{FF2B5EF4-FFF2-40B4-BE49-F238E27FC236}">
+                <a16:creationId xmlns:a16="http://schemas.microsoft.com/office/drawing/2014/main" id="{863E4AD5-44C1-4BF4-B150-CD59627DBF27}"/>
+              </a:ext>
+            </a:extLst>
+          </p:cNvPr>
+          <p:cNvSpPr>
+            <a:spLocks noGrp="1"/>
+          </p:cNvSpPr>
+          <p:nvPr>
+            <p:ph type="title"/>
+          </p:nvPr>
+        </p:nvSpPr>
+        <p:spPr/>
+        <p:txBody>
+          <a:bodyPr/>
+          <a:lstStyle/>
+          <a:p>
+            <a:r>
+              <a:rPr lang="en-US" dirty="0"/>
+              <a:t>INTRODUCTION</a:t>
+            </a:r>
+            <a:endParaRPr lang="en-IN" dirty="0"/>
+          </a:p>
+        </p:txBody>
+      </p:sp>
+      <p:sp>
+        <p:nvSpPr>
+          <p:cNvPr id="3" name="Content Placeholder 2">
+            <a:extLst>
+              <a:ext uri="{FF2B5EF4-FFF2-40B4-BE49-F238E27FC236}">
+                <a16:creationId xmlns:a16="http://schemas.microsoft.com/office/drawing/2014/main" id="{9F96B51F-97BD-4BEF-9892-07FBF2DC9C19}"/>
+              </a:ext>
+            </a:extLst>
+          </p:cNvPr>
+          <p:cNvSpPr>
+            <a:spLocks noGrp="1"/>
+          </p:cNvSpPr>
+          <p:nvPr>
+            <p:ph idx="1"/>
+          </p:nvPr>
+        </p:nvSpPr>
+        <p:spPr/>
+        <p:txBody>
+          <a:bodyPr>
+            <a:normAutofit/>
+          </a:bodyPr>
+          <a:lstStyle/>
+          <a:p>
+            <a:pPr algn="l"/>
+            <a:r>
+              <a:rPr lang="en-US" b="0" i="0" dirty="0">
+                <a:solidFill>
+                  <a:srgbClr val="231F20"/>
+                </a:solidFill>
+                <a:effectLst/>
+                <a:latin typeface="ff3"/>
+              </a:rPr>
+              <a:t>It is important to analyze crime due to following reasons : </a:t>
+            </a:r>
+          </a:p>
+          <a:p>
+            <a:pPr marL="0" indent="0" algn="l">
+              <a:buNone/>
+            </a:pPr>
+            <a:r>
+              <a:rPr lang="en-US" b="0" i="0" dirty="0">
+                <a:solidFill>
+                  <a:srgbClr val="000000"/>
+                </a:solidFill>
+                <a:effectLst/>
+                <a:latin typeface="ff7"/>
+              </a:rPr>
+              <a:t>	1.</a:t>
+            </a:r>
+            <a:r>
+              <a:rPr lang="en-US" b="0" i="0" dirty="0">
+                <a:solidFill>
+                  <a:srgbClr val="000000"/>
+                </a:solidFill>
+                <a:effectLst/>
+                <a:latin typeface="ff9"/>
+              </a:rPr>
+              <a:t> </a:t>
+            </a:r>
+            <a:r>
+              <a:rPr lang="en-US" b="0" i="0" dirty="0">
+                <a:solidFill>
+                  <a:srgbClr val="000000"/>
+                </a:solidFill>
+                <a:effectLst/>
+                <a:latin typeface="ff3"/>
+              </a:rPr>
+              <a:t>Analyze crime to inform law enforcers about general and specific crime trends in timely manner </a:t>
+            </a:r>
+          </a:p>
+          <a:p>
+            <a:pPr marL="0" indent="0" algn="l">
+              <a:buNone/>
+            </a:pPr>
+            <a:r>
+              <a:rPr lang="en-US" b="0" i="0" dirty="0">
+                <a:solidFill>
+                  <a:srgbClr val="000000"/>
+                </a:solidFill>
+                <a:effectLst/>
+                <a:latin typeface="ff7"/>
+              </a:rPr>
+              <a:t>	2.</a:t>
+            </a:r>
+            <a:r>
+              <a:rPr lang="en-US" b="0" i="0" dirty="0">
+                <a:solidFill>
+                  <a:srgbClr val="000000"/>
+                </a:solidFill>
+                <a:effectLst/>
+                <a:latin typeface="ff9"/>
+              </a:rPr>
+              <a:t> </a:t>
+            </a:r>
+            <a:r>
+              <a:rPr lang="en-US" b="0" i="0" dirty="0">
+                <a:solidFill>
+                  <a:srgbClr val="000000"/>
+                </a:solidFill>
+                <a:effectLst/>
+                <a:latin typeface="ff3"/>
+              </a:rPr>
+              <a:t>Analyze crime to take advantage of the plenty of information existing in justice system and public domain.</a:t>
+            </a:r>
+          </a:p>
+          <a:p>
+            <a:endParaRPr lang="en-IN" dirty="0"/>
+          </a:p>
+        </p:txBody>
+      </p:sp>
+    </p:spTree>
+    <p:extLst>
+      <p:ext uri="{BB962C8B-B14F-4D97-AF65-F5344CB8AC3E}">
+        <p14:creationId xmlns:p14="http://schemas.microsoft.com/office/powerpoint/2010/main" val="3004834414"/>
+      </p:ext>
+    </p:extLst>
+  </p:cSld>
+  <p:clrMapOvr>
+    <a:masterClrMapping/>
+  </p:clrMapOvr>
+</p:sld>
+</file>
+
+<file path=ppt/slides/slide9.xml><?xml version="1.0" encoding="utf-8"?>
+<p:sld xmlns:a="http://schemas.openxmlformats.org/drawingml/2006/main" xmlns:r="http://schemas.openxmlformats.org/officeDocument/2006/relationships" xmlns:p="http://schemas.openxmlformats.org/presentationml/2006/main">
+  <p:cSld>
+    <p:spTree>
+      <p:nvGrpSpPr>
+        <p:cNvPr id="1" name=""/>
+        <p:cNvGrpSpPr/>
+        <p:nvPr/>
+      </p:nvGrpSpPr>
+      <p:grpSpPr>
+        <a:xfrm>
+          <a:off x="0" y="0"/>
+          <a:ext cx="0" cy="0"/>
+          <a:chOff x="0" y="0"/>
+          <a:chExt cx="0" cy="0"/>
+        </a:xfrm>
+      </p:grpSpPr>
+      <p:sp>
+        <p:nvSpPr>
+          <p:cNvPr id="2" name="Title 1">
+            <a:extLst>
+              <a:ext uri="{FF2B5EF4-FFF2-40B4-BE49-F238E27FC236}">
+                <a16:creationId xmlns:a16="http://schemas.microsoft.com/office/drawing/2014/main" id="{A62E7C4E-F2C4-4F86-A11C-86D5D00696AD}"/>
+              </a:ext>
+            </a:extLst>
+          </p:cNvPr>
+          <p:cNvSpPr>
+            <a:spLocks noGrp="1"/>
+          </p:cNvSpPr>
+          <p:nvPr>
+            <p:ph type="title"/>
+          </p:nvPr>
+        </p:nvSpPr>
+        <p:spPr/>
+        <p:txBody>
+          <a:bodyPr/>
+          <a:lstStyle/>
+          <a:p>
+            <a:r>
+              <a:rPr lang="en-US" dirty="0"/>
+              <a:t>INTRODUCTION</a:t>
+            </a:r>
+            <a:endParaRPr lang="en-IN" dirty="0"/>
+          </a:p>
+        </p:txBody>
+      </p:sp>
+      <p:sp>
+        <p:nvSpPr>
+          <p:cNvPr id="3" name="Content Placeholder 2">
+            <a:extLst>
+              <a:ext uri="{FF2B5EF4-FFF2-40B4-BE49-F238E27FC236}">
+                <a16:creationId xmlns:a16="http://schemas.microsoft.com/office/drawing/2014/main" id="{B4E4AEDE-2D22-42F2-97EC-9F64E3B948E9}"/>
+              </a:ext>
+            </a:extLst>
+          </p:cNvPr>
+          <p:cNvSpPr>
+            <a:spLocks noGrp="1"/>
+          </p:cNvSpPr>
+          <p:nvPr>
+            <p:ph idx="1"/>
+          </p:nvPr>
+        </p:nvSpPr>
+        <p:spPr/>
+        <p:txBody>
+          <a:bodyPr>
+            <a:normAutofit/>
+          </a:bodyPr>
+          <a:lstStyle/>
+          <a:p>
+            <a:pPr algn="l"/>
+            <a:r>
+              <a:rPr lang="en-US" b="0" i="0" dirty="0">
+                <a:solidFill>
+                  <a:srgbClr val="000000"/>
+                </a:solidFill>
+                <a:effectLst/>
+                <a:latin typeface="ff3"/>
+              </a:rPr>
+              <a:t>The main objectives of crime analysis include: </a:t>
+            </a:r>
+          </a:p>
+          <a:p>
+            <a:pPr marL="0" indent="0" algn="l">
+              <a:buNone/>
+            </a:pPr>
+            <a:r>
+              <a:rPr lang="en-US" b="0" i="0" dirty="0">
+                <a:solidFill>
+                  <a:srgbClr val="000000"/>
+                </a:solidFill>
+                <a:effectLst/>
+                <a:latin typeface="ff7"/>
+              </a:rPr>
+              <a:t>	1.</a:t>
+            </a:r>
+            <a:r>
+              <a:rPr lang="en-US" b="0" i="0" dirty="0">
+                <a:solidFill>
+                  <a:srgbClr val="000000"/>
+                </a:solidFill>
+                <a:effectLst/>
+                <a:latin typeface="ff9"/>
+              </a:rPr>
+              <a:t> </a:t>
+            </a:r>
+            <a:r>
+              <a:rPr lang="en-US" b="0" i="0" dirty="0">
+                <a:solidFill>
+                  <a:srgbClr val="000000"/>
+                </a:solidFill>
+                <a:effectLst/>
+                <a:latin typeface="ff3"/>
+              </a:rPr>
+              <a:t>Extraction of crime patterns by analysis of available crime and criminal data </a:t>
+            </a:r>
+          </a:p>
+          <a:p>
+            <a:pPr marL="0" indent="0" algn="l">
+              <a:buNone/>
+            </a:pPr>
+            <a:r>
+              <a:rPr lang="en-US" b="0" i="0" dirty="0">
+                <a:solidFill>
+                  <a:srgbClr val="000000"/>
+                </a:solidFill>
+                <a:effectLst/>
+                <a:latin typeface="ff7"/>
+              </a:rPr>
+              <a:t>	2.</a:t>
+            </a:r>
+            <a:r>
+              <a:rPr lang="en-US" b="0" i="0" dirty="0">
+                <a:solidFill>
+                  <a:srgbClr val="000000"/>
+                </a:solidFill>
+                <a:effectLst/>
+                <a:latin typeface="ff9"/>
+              </a:rPr>
+              <a:t> </a:t>
+            </a:r>
+            <a:r>
+              <a:rPr lang="en-US" b="0" i="0" dirty="0">
+                <a:solidFill>
+                  <a:srgbClr val="000000"/>
+                </a:solidFill>
+                <a:effectLst/>
+                <a:latin typeface="ff3"/>
+              </a:rPr>
+              <a:t>Prediction of crime based on spatial distribution of existing data and anticipation of crime rate using different data mining techniques </a:t>
+            </a:r>
+          </a:p>
+          <a:p>
+            <a:pPr marL="457200" lvl="1" indent="0">
+              <a:buNone/>
+            </a:pPr>
+            <a:r>
+              <a:rPr lang="en-US" b="0" i="0" dirty="0">
+                <a:solidFill>
+                  <a:srgbClr val="000000"/>
+                </a:solidFill>
+                <a:effectLst/>
+                <a:latin typeface="ff7"/>
+              </a:rPr>
+              <a:t>	</a:t>
+            </a:r>
+            <a:r>
+              <a:rPr lang="en-US" sz="3200" b="0" i="0" dirty="0">
+                <a:solidFill>
+                  <a:srgbClr val="000000"/>
+                </a:solidFill>
+                <a:effectLst/>
+                <a:latin typeface="ff7"/>
+              </a:rPr>
+              <a:t>3.</a:t>
+            </a:r>
+            <a:r>
+              <a:rPr lang="en-US" sz="3200" b="0" i="0" dirty="0">
+                <a:solidFill>
+                  <a:srgbClr val="000000"/>
+                </a:solidFill>
+                <a:effectLst/>
+                <a:latin typeface="ff9"/>
+              </a:rPr>
+              <a:t> </a:t>
+            </a:r>
+            <a:r>
+              <a:rPr lang="en-US" sz="3200" b="0" i="0" dirty="0">
+                <a:solidFill>
+                  <a:srgbClr val="000000"/>
+                </a:solidFill>
+                <a:effectLst/>
+                <a:latin typeface="ff3"/>
+              </a:rPr>
+              <a:t>Detection of crime</a:t>
+            </a:r>
+            <a:endParaRPr lang="en-US" sz="3200" b="0" i="0" dirty="0">
+              <a:solidFill>
+                <a:srgbClr val="000000"/>
+              </a:solidFill>
+              <a:effectLst/>
+              <a:latin typeface="ff7"/>
+            </a:endParaRPr>
+          </a:p>
+          <a:p>
+            <a:endParaRPr lang="en-IN" dirty="0"/>
+          </a:p>
+        </p:txBody>
+      </p:sp>
+    </p:spTree>
+    <p:extLst>
+      <p:ext uri="{BB962C8B-B14F-4D97-AF65-F5344CB8AC3E}">
+        <p14:creationId xmlns:p14="http://schemas.microsoft.com/office/powerpoint/2010/main" val="3765237841"/>
+      </p:ext>
+    </p:extLst>
   </p:cSld>
   <p:clrMapOvr>
     <a:masterClrMapping/>
